--- a/ppt 16-9/1561.奉主名得胜.pptx
+++ b/ppt 16-9/1561.奉主名得胜.pptx
@@ -5,7 +5,7 @@
     <p:sldMasterId id="2147483648" r:id="rId1"/>
   </p:sldMasterIdLst>
   <p:sldIdLst>
-    <p:sldId id="3413" r:id="rId2"/>
+    <p:sldId id="3414" r:id="rId2"/>
   </p:sldIdLst>
   <p:sldSz cx="12192000" cy="6858000"/>
   <p:notesSz cx="6858000" cy="9144000"/>
@@ -129,7 +129,7 @@
           <p:cNvPr id="2" name="标题 1">
             <a:extLst>
               <a:ext uri="{FF2B5EF4-FFF2-40B4-BE49-F238E27FC236}">
-                <a16:creationId xmlns:a16="http://schemas.microsoft.com/office/drawing/2014/main" id="{AC611810-5167-5A2A-3375-0A4C55910D71}"/>
+                <a16:creationId xmlns:a16="http://schemas.microsoft.com/office/drawing/2014/main" id="{9C894A89-602E-B2E6-9CC5-DCC41A1C3CEC}"/>
               </a:ext>
             </a:extLst>
           </p:cNvPr>
@@ -166,7 +166,7 @@
           <p:cNvPr id="3" name="副标题 2">
             <a:extLst>
               <a:ext uri="{FF2B5EF4-FFF2-40B4-BE49-F238E27FC236}">
-                <a16:creationId xmlns:a16="http://schemas.microsoft.com/office/drawing/2014/main" id="{772538AF-A586-2588-EB62-F7F23EB9C2C6}"/>
+                <a16:creationId xmlns:a16="http://schemas.microsoft.com/office/drawing/2014/main" id="{D552F512-2B7F-87BC-020A-A2AD86720279}"/>
               </a:ext>
             </a:extLst>
           </p:cNvPr>
@@ -236,7 +236,7 @@
           <p:cNvPr id="4" name="日期占位符 3">
             <a:extLst>
               <a:ext uri="{FF2B5EF4-FFF2-40B4-BE49-F238E27FC236}">
-                <a16:creationId xmlns:a16="http://schemas.microsoft.com/office/drawing/2014/main" id="{8D8447C5-4E7F-AA6B-D9A4-0677F11175B3}"/>
+                <a16:creationId xmlns:a16="http://schemas.microsoft.com/office/drawing/2014/main" id="{E67A2425-719C-6D3D-FA8C-3B549B935BD5}"/>
               </a:ext>
             </a:extLst>
           </p:cNvPr>
@@ -252,7 +252,7 @@
           <a:bodyPr/>
           <a:lstStyle/>
           <a:p>
-            <a:fld id="{18092254-943A-4A64-8796-EA87ED8831AE}" type="datetimeFigureOut">
+            <a:fld id="{1C233347-25BB-4136-876A-489035F463EB}" type="datetimeFigureOut">
               <a:rPr lang="zh-CN" altLang="en-US" smtClean="0"/>
               <a:t>2024/3/10</a:t>
             </a:fld>
@@ -265,7 +265,7 @@
           <p:cNvPr id="5" name="页脚占位符 4">
             <a:extLst>
               <a:ext uri="{FF2B5EF4-FFF2-40B4-BE49-F238E27FC236}">
-                <a16:creationId xmlns:a16="http://schemas.microsoft.com/office/drawing/2014/main" id="{93B44A94-ECBF-B989-5D6F-0CFD1F25F474}"/>
+                <a16:creationId xmlns:a16="http://schemas.microsoft.com/office/drawing/2014/main" id="{823DC1DF-B71A-319E-A7B6-981F905F1E09}"/>
               </a:ext>
             </a:extLst>
           </p:cNvPr>
@@ -290,7 +290,7 @@
           <p:cNvPr id="6" name="灯片编号占位符 5">
             <a:extLst>
               <a:ext uri="{FF2B5EF4-FFF2-40B4-BE49-F238E27FC236}">
-                <a16:creationId xmlns:a16="http://schemas.microsoft.com/office/drawing/2014/main" id="{934A241F-7F59-2F83-51CA-4CF29843E5EE}"/>
+                <a16:creationId xmlns:a16="http://schemas.microsoft.com/office/drawing/2014/main" id="{942DCFB4-EC77-71B4-88FB-52B8E19B159F}"/>
               </a:ext>
             </a:extLst>
           </p:cNvPr>
@@ -306,7 +306,7 @@
           <a:bodyPr/>
           <a:lstStyle/>
           <a:p>
-            <a:fld id="{CBC45BFF-9F0B-46B4-B760-E7A6C78893CD}" type="slidenum">
+            <a:fld id="{4817608B-5829-4C6E-837F-5677A4F02A85}" type="slidenum">
               <a:rPr lang="zh-CN" altLang="en-US" smtClean="0"/>
               <a:t>‹#›</a:t>
             </a:fld>
@@ -317,7 +317,7 @@
     </p:spTree>
     <p:extLst>
       <p:ext uri="{BB962C8B-B14F-4D97-AF65-F5344CB8AC3E}">
-        <p14:creationId xmlns:p14="http://schemas.microsoft.com/office/powerpoint/2010/main" val="625814466"/>
+        <p14:creationId xmlns:p14="http://schemas.microsoft.com/office/powerpoint/2010/main" val="342098696"/>
       </p:ext>
     </p:extLst>
   </p:cSld>
@@ -349,7 +349,7 @@
           <p:cNvPr id="2" name="标题 1">
             <a:extLst>
               <a:ext uri="{FF2B5EF4-FFF2-40B4-BE49-F238E27FC236}">
-                <a16:creationId xmlns:a16="http://schemas.microsoft.com/office/drawing/2014/main" id="{66385DA0-C4B4-B224-FDCF-9133F68FE84F}"/>
+                <a16:creationId xmlns:a16="http://schemas.microsoft.com/office/drawing/2014/main" id="{FE21E1E8-F1C6-7DC2-7F18-817A90A0EB0E}"/>
               </a:ext>
             </a:extLst>
           </p:cNvPr>
@@ -377,7 +377,7 @@
           <p:cNvPr id="3" name="竖排文字占位符 2">
             <a:extLst>
               <a:ext uri="{FF2B5EF4-FFF2-40B4-BE49-F238E27FC236}">
-                <a16:creationId xmlns:a16="http://schemas.microsoft.com/office/drawing/2014/main" id="{75F35BD1-AF46-B245-ECD9-7EBB07902E51}"/>
+                <a16:creationId xmlns:a16="http://schemas.microsoft.com/office/drawing/2014/main" id="{8BBB1AC2-3C5D-0F21-8860-0CDE8D29211A}"/>
               </a:ext>
             </a:extLst>
           </p:cNvPr>
@@ -434,7 +434,7 @@
           <p:cNvPr id="4" name="日期占位符 3">
             <a:extLst>
               <a:ext uri="{FF2B5EF4-FFF2-40B4-BE49-F238E27FC236}">
-                <a16:creationId xmlns:a16="http://schemas.microsoft.com/office/drawing/2014/main" id="{A2983327-384D-4866-22AE-4C110D26629C}"/>
+                <a16:creationId xmlns:a16="http://schemas.microsoft.com/office/drawing/2014/main" id="{65AB9A5F-67CB-4328-E155-DEDF074493BF}"/>
               </a:ext>
             </a:extLst>
           </p:cNvPr>
@@ -450,7 +450,7 @@
           <a:bodyPr/>
           <a:lstStyle/>
           <a:p>
-            <a:fld id="{18092254-943A-4A64-8796-EA87ED8831AE}" type="datetimeFigureOut">
+            <a:fld id="{1C233347-25BB-4136-876A-489035F463EB}" type="datetimeFigureOut">
               <a:rPr lang="zh-CN" altLang="en-US" smtClean="0"/>
               <a:t>2024/3/10</a:t>
             </a:fld>
@@ -463,7 +463,7 @@
           <p:cNvPr id="5" name="页脚占位符 4">
             <a:extLst>
               <a:ext uri="{FF2B5EF4-FFF2-40B4-BE49-F238E27FC236}">
-                <a16:creationId xmlns:a16="http://schemas.microsoft.com/office/drawing/2014/main" id="{68F8ED9E-998B-D495-9D62-2EA5CC943AC3}"/>
+                <a16:creationId xmlns:a16="http://schemas.microsoft.com/office/drawing/2014/main" id="{60CFC722-FDE1-C63E-CD27-9E3801C2282F}"/>
               </a:ext>
             </a:extLst>
           </p:cNvPr>
@@ -488,7 +488,7 @@
           <p:cNvPr id="6" name="灯片编号占位符 5">
             <a:extLst>
               <a:ext uri="{FF2B5EF4-FFF2-40B4-BE49-F238E27FC236}">
-                <a16:creationId xmlns:a16="http://schemas.microsoft.com/office/drawing/2014/main" id="{BE429A4A-97F1-02FC-0E7C-CB30859BECA5}"/>
+                <a16:creationId xmlns:a16="http://schemas.microsoft.com/office/drawing/2014/main" id="{9BE507C8-8623-B3A6-E6EF-19B2417EBD51}"/>
               </a:ext>
             </a:extLst>
           </p:cNvPr>
@@ -504,7 +504,7 @@
           <a:bodyPr/>
           <a:lstStyle/>
           <a:p>
-            <a:fld id="{CBC45BFF-9F0B-46B4-B760-E7A6C78893CD}" type="slidenum">
+            <a:fld id="{4817608B-5829-4C6E-837F-5677A4F02A85}" type="slidenum">
               <a:rPr lang="zh-CN" altLang="en-US" smtClean="0"/>
               <a:t>‹#›</a:t>
             </a:fld>
@@ -515,7 +515,7 @@
     </p:spTree>
     <p:extLst>
       <p:ext uri="{BB962C8B-B14F-4D97-AF65-F5344CB8AC3E}">
-        <p14:creationId xmlns:p14="http://schemas.microsoft.com/office/powerpoint/2010/main" val="390561263"/>
+        <p14:creationId xmlns:p14="http://schemas.microsoft.com/office/powerpoint/2010/main" val="2604480185"/>
       </p:ext>
     </p:extLst>
   </p:cSld>
@@ -547,7 +547,7 @@
           <p:cNvPr id="2" name="竖排标题 1">
             <a:extLst>
               <a:ext uri="{FF2B5EF4-FFF2-40B4-BE49-F238E27FC236}">
-                <a16:creationId xmlns:a16="http://schemas.microsoft.com/office/drawing/2014/main" id="{CF65FFB0-642D-450F-F422-F6D3F60420DA}"/>
+                <a16:creationId xmlns:a16="http://schemas.microsoft.com/office/drawing/2014/main" id="{D4D1789B-414A-94B5-5A1B-642B5F4134F5}"/>
               </a:ext>
             </a:extLst>
           </p:cNvPr>
@@ -580,7 +580,7 @@
           <p:cNvPr id="3" name="竖排文字占位符 2">
             <a:extLst>
               <a:ext uri="{FF2B5EF4-FFF2-40B4-BE49-F238E27FC236}">
-                <a16:creationId xmlns:a16="http://schemas.microsoft.com/office/drawing/2014/main" id="{248AFA0C-F48E-3024-10E3-62063481613D}"/>
+                <a16:creationId xmlns:a16="http://schemas.microsoft.com/office/drawing/2014/main" id="{F7938AB5-4220-0E58-B09D-E07B1D21FAB5}"/>
               </a:ext>
             </a:extLst>
           </p:cNvPr>
@@ -642,7 +642,7 @@
           <p:cNvPr id="4" name="日期占位符 3">
             <a:extLst>
               <a:ext uri="{FF2B5EF4-FFF2-40B4-BE49-F238E27FC236}">
-                <a16:creationId xmlns:a16="http://schemas.microsoft.com/office/drawing/2014/main" id="{5F42581B-21F5-7990-6A54-5A08DE1C0886}"/>
+                <a16:creationId xmlns:a16="http://schemas.microsoft.com/office/drawing/2014/main" id="{7CAE5D5E-F204-FE70-499D-578A4473019A}"/>
               </a:ext>
             </a:extLst>
           </p:cNvPr>
@@ -658,7 +658,7 @@
           <a:bodyPr/>
           <a:lstStyle/>
           <a:p>
-            <a:fld id="{18092254-943A-4A64-8796-EA87ED8831AE}" type="datetimeFigureOut">
+            <a:fld id="{1C233347-25BB-4136-876A-489035F463EB}" type="datetimeFigureOut">
               <a:rPr lang="zh-CN" altLang="en-US" smtClean="0"/>
               <a:t>2024/3/10</a:t>
             </a:fld>
@@ -671,7 +671,7 @@
           <p:cNvPr id="5" name="页脚占位符 4">
             <a:extLst>
               <a:ext uri="{FF2B5EF4-FFF2-40B4-BE49-F238E27FC236}">
-                <a16:creationId xmlns:a16="http://schemas.microsoft.com/office/drawing/2014/main" id="{96DE332A-76EC-9DAA-F783-4AE1F4E3A794}"/>
+                <a16:creationId xmlns:a16="http://schemas.microsoft.com/office/drawing/2014/main" id="{2DA6C2F6-701C-BA4F-B884-E8937CFD275D}"/>
               </a:ext>
             </a:extLst>
           </p:cNvPr>
@@ -696,7 +696,7 @@
           <p:cNvPr id="6" name="灯片编号占位符 5">
             <a:extLst>
               <a:ext uri="{FF2B5EF4-FFF2-40B4-BE49-F238E27FC236}">
-                <a16:creationId xmlns:a16="http://schemas.microsoft.com/office/drawing/2014/main" id="{BAB4D8EC-81BE-26A9-745E-B1F7488148E8}"/>
+                <a16:creationId xmlns:a16="http://schemas.microsoft.com/office/drawing/2014/main" id="{15D9F0B7-D661-E798-454B-B83766484513}"/>
               </a:ext>
             </a:extLst>
           </p:cNvPr>
@@ -712,7 +712,7 @@
           <a:bodyPr/>
           <a:lstStyle/>
           <a:p>
-            <a:fld id="{CBC45BFF-9F0B-46B4-B760-E7A6C78893CD}" type="slidenum">
+            <a:fld id="{4817608B-5829-4C6E-837F-5677A4F02A85}" type="slidenum">
               <a:rPr lang="zh-CN" altLang="en-US" smtClean="0"/>
               <a:t>‹#›</a:t>
             </a:fld>
@@ -723,7 +723,7 @@
     </p:spTree>
     <p:extLst>
       <p:ext uri="{BB962C8B-B14F-4D97-AF65-F5344CB8AC3E}">
-        <p14:creationId xmlns:p14="http://schemas.microsoft.com/office/powerpoint/2010/main" val="363282256"/>
+        <p14:creationId xmlns:p14="http://schemas.microsoft.com/office/powerpoint/2010/main" val="1865457845"/>
       </p:ext>
     </p:extLst>
   </p:cSld>
@@ -755,7 +755,7 @@
           <p:cNvPr id="2" name="标题 1">
             <a:extLst>
               <a:ext uri="{FF2B5EF4-FFF2-40B4-BE49-F238E27FC236}">
-                <a16:creationId xmlns:a16="http://schemas.microsoft.com/office/drawing/2014/main" id="{8C868255-EDF1-820F-EE1C-095EC3F5F1F7}"/>
+                <a16:creationId xmlns:a16="http://schemas.microsoft.com/office/drawing/2014/main" id="{50EB2300-B660-B761-6BE5-5FD8F3C0EED2}"/>
               </a:ext>
             </a:extLst>
           </p:cNvPr>
@@ -783,7 +783,7 @@
           <p:cNvPr id="3" name="内容占位符 2">
             <a:extLst>
               <a:ext uri="{FF2B5EF4-FFF2-40B4-BE49-F238E27FC236}">
-                <a16:creationId xmlns:a16="http://schemas.microsoft.com/office/drawing/2014/main" id="{16902F0D-110D-163B-5743-7664F1FC3706}"/>
+                <a16:creationId xmlns:a16="http://schemas.microsoft.com/office/drawing/2014/main" id="{76CEDDC2-6AA2-40E2-E437-96D17D9450A8}"/>
               </a:ext>
             </a:extLst>
           </p:cNvPr>
@@ -840,7 +840,7 @@
           <p:cNvPr id="4" name="日期占位符 3">
             <a:extLst>
               <a:ext uri="{FF2B5EF4-FFF2-40B4-BE49-F238E27FC236}">
-                <a16:creationId xmlns:a16="http://schemas.microsoft.com/office/drawing/2014/main" id="{FD99627B-4E11-6765-BAE4-AB11DDFD8380}"/>
+                <a16:creationId xmlns:a16="http://schemas.microsoft.com/office/drawing/2014/main" id="{AC4CA20F-9E7F-9FAE-B602-F593180F07BB}"/>
               </a:ext>
             </a:extLst>
           </p:cNvPr>
@@ -856,7 +856,7 @@
           <a:bodyPr/>
           <a:lstStyle/>
           <a:p>
-            <a:fld id="{18092254-943A-4A64-8796-EA87ED8831AE}" type="datetimeFigureOut">
+            <a:fld id="{1C233347-25BB-4136-876A-489035F463EB}" type="datetimeFigureOut">
               <a:rPr lang="zh-CN" altLang="en-US" smtClean="0"/>
               <a:t>2024/3/10</a:t>
             </a:fld>
@@ -869,7 +869,7 @@
           <p:cNvPr id="5" name="页脚占位符 4">
             <a:extLst>
               <a:ext uri="{FF2B5EF4-FFF2-40B4-BE49-F238E27FC236}">
-                <a16:creationId xmlns:a16="http://schemas.microsoft.com/office/drawing/2014/main" id="{460A32A7-2B9E-E5A4-C53A-B4CF467F6AD6}"/>
+                <a16:creationId xmlns:a16="http://schemas.microsoft.com/office/drawing/2014/main" id="{ACF2B1C6-BC16-AB4C-99D6-29FCBB39378C}"/>
               </a:ext>
             </a:extLst>
           </p:cNvPr>
@@ -894,7 +894,7 @@
           <p:cNvPr id="6" name="灯片编号占位符 5">
             <a:extLst>
               <a:ext uri="{FF2B5EF4-FFF2-40B4-BE49-F238E27FC236}">
-                <a16:creationId xmlns:a16="http://schemas.microsoft.com/office/drawing/2014/main" id="{6F3D7666-8A9B-D931-AC5B-C864CD05E9D6}"/>
+                <a16:creationId xmlns:a16="http://schemas.microsoft.com/office/drawing/2014/main" id="{197182CE-6394-18EA-E7BF-1D23CF0F6874}"/>
               </a:ext>
             </a:extLst>
           </p:cNvPr>
@@ -910,7 +910,7 @@
           <a:bodyPr/>
           <a:lstStyle/>
           <a:p>
-            <a:fld id="{CBC45BFF-9F0B-46B4-B760-E7A6C78893CD}" type="slidenum">
+            <a:fld id="{4817608B-5829-4C6E-837F-5677A4F02A85}" type="slidenum">
               <a:rPr lang="zh-CN" altLang="en-US" smtClean="0"/>
               <a:t>‹#›</a:t>
             </a:fld>
@@ -921,7 +921,7 @@
     </p:spTree>
     <p:extLst>
       <p:ext uri="{BB962C8B-B14F-4D97-AF65-F5344CB8AC3E}">
-        <p14:creationId xmlns:p14="http://schemas.microsoft.com/office/powerpoint/2010/main" val="3303027721"/>
+        <p14:creationId xmlns:p14="http://schemas.microsoft.com/office/powerpoint/2010/main" val="3944851885"/>
       </p:ext>
     </p:extLst>
   </p:cSld>
@@ -953,7 +953,7 @@
           <p:cNvPr id="2" name="标题 1">
             <a:extLst>
               <a:ext uri="{FF2B5EF4-FFF2-40B4-BE49-F238E27FC236}">
-                <a16:creationId xmlns:a16="http://schemas.microsoft.com/office/drawing/2014/main" id="{55EAD48B-4FB1-3855-21B6-1D22DEBD1755}"/>
+                <a16:creationId xmlns:a16="http://schemas.microsoft.com/office/drawing/2014/main" id="{B1E123F8-B83A-0342-F32D-28802F3DBA12}"/>
               </a:ext>
             </a:extLst>
           </p:cNvPr>
@@ -990,7 +990,7 @@
           <p:cNvPr id="3" name="文本占位符 2">
             <a:extLst>
               <a:ext uri="{FF2B5EF4-FFF2-40B4-BE49-F238E27FC236}">
-                <a16:creationId xmlns:a16="http://schemas.microsoft.com/office/drawing/2014/main" id="{02AB2EE9-9ED1-3366-CFB0-9D4DFA8D6608}"/>
+                <a16:creationId xmlns:a16="http://schemas.microsoft.com/office/drawing/2014/main" id="{4B6DF0CA-4E13-FEA5-9FF3-670A6EBE0C12}"/>
               </a:ext>
             </a:extLst>
           </p:cNvPr>
@@ -1115,7 +1115,7 @@
           <p:cNvPr id="4" name="日期占位符 3">
             <a:extLst>
               <a:ext uri="{FF2B5EF4-FFF2-40B4-BE49-F238E27FC236}">
-                <a16:creationId xmlns:a16="http://schemas.microsoft.com/office/drawing/2014/main" id="{68CC8ACD-0899-8A46-D9E0-D034265D8702}"/>
+                <a16:creationId xmlns:a16="http://schemas.microsoft.com/office/drawing/2014/main" id="{BA34CA4C-5BA0-6052-2667-DFECF627F70E}"/>
               </a:ext>
             </a:extLst>
           </p:cNvPr>
@@ -1131,7 +1131,7 @@
           <a:bodyPr/>
           <a:lstStyle/>
           <a:p>
-            <a:fld id="{18092254-943A-4A64-8796-EA87ED8831AE}" type="datetimeFigureOut">
+            <a:fld id="{1C233347-25BB-4136-876A-489035F463EB}" type="datetimeFigureOut">
               <a:rPr lang="zh-CN" altLang="en-US" smtClean="0"/>
               <a:t>2024/3/10</a:t>
             </a:fld>
@@ -1144,7 +1144,7 @@
           <p:cNvPr id="5" name="页脚占位符 4">
             <a:extLst>
               <a:ext uri="{FF2B5EF4-FFF2-40B4-BE49-F238E27FC236}">
-                <a16:creationId xmlns:a16="http://schemas.microsoft.com/office/drawing/2014/main" id="{FDA117E5-EDA5-43C9-41D1-41D9894B7084}"/>
+                <a16:creationId xmlns:a16="http://schemas.microsoft.com/office/drawing/2014/main" id="{4142AAE5-0920-1C79-1912-E4AD981C0554}"/>
               </a:ext>
             </a:extLst>
           </p:cNvPr>
@@ -1169,7 +1169,7 @@
           <p:cNvPr id="6" name="灯片编号占位符 5">
             <a:extLst>
               <a:ext uri="{FF2B5EF4-FFF2-40B4-BE49-F238E27FC236}">
-                <a16:creationId xmlns:a16="http://schemas.microsoft.com/office/drawing/2014/main" id="{EFA50AD3-BDE2-CB61-8637-781CECD3BE79}"/>
+                <a16:creationId xmlns:a16="http://schemas.microsoft.com/office/drawing/2014/main" id="{0EBF2F6E-1EBF-7180-DE0D-1DD26459B3CD}"/>
               </a:ext>
             </a:extLst>
           </p:cNvPr>
@@ -1185,7 +1185,7 @@
           <a:bodyPr/>
           <a:lstStyle/>
           <a:p>
-            <a:fld id="{CBC45BFF-9F0B-46B4-B760-E7A6C78893CD}" type="slidenum">
+            <a:fld id="{4817608B-5829-4C6E-837F-5677A4F02A85}" type="slidenum">
               <a:rPr lang="zh-CN" altLang="en-US" smtClean="0"/>
               <a:t>‹#›</a:t>
             </a:fld>
@@ -1196,7 +1196,7 @@
     </p:spTree>
     <p:extLst>
       <p:ext uri="{BB962C8B-B14F-4D97-AF65-F5344CB8AC3E}">
-        <p14:creationId xmlns:p14="http://schemas.microsoft.com/office/powerpoint/2010/main" val="538796539"/>
+        <p14:creationId xmlns:p14="http://schemas.microsoft.com/office/powerpoint/2010/main" val="1846852385"/>
       </p:ext>
     </p:extLst>
   </p:cSld>
@@ -1228,7 +1228,7 @@
           <p:cNvPr id="2" name="标题 1">
             <a:extLst>
               <a:ext uri="{FF2B5EF4-FFF2-40B4-BE49-F238E27FC236}">
-                <a16:creationId xmlns:a16="http://schemas.microsoft.com/office/drawing/2014/main" id="{DAF58FF1-8FF4-3173-D7D8-C09DB8AE4AE8}"/>
+                <a16:creationId xmlns:a16="http://schemas.microsoft.com/office/drawing/2014/main" id="{FDB0232F-5C37-F4CD-2AC1-6E3C3AADC183}"/>
               </a:ext>
             </a:extLst>
           </p:cNvPr>
@@ -1256,7 +1256,7 @@
           <p:cNvPr id="3" name="内容占位符 2">
             <a:extLst>
               <a:ext uri="{FF2B5EF4-FFF2-40B4-BE49-F238E27FC236}">
-                <a16:creationId xmlns:a16="http://schemas.microsoft.com/office/drawing/2014/main" id="{3DAD9E23-EFC6-7493-8083-0235D194D90C}"/>
+                <a16:creationId xmlns:a16="http://schemas.microsoft.com/office/drawing/2014/main" id="{1A28573F-275E-0CBA-6820-9650B7BAA85C}"/>
               </a:ext>
             </a:extLst>
           </p:cNvPr>
@@ -1318,7 +1318,7 @@
           <p:cNvPr id="4" name="内容占位符 3">
             <a:extLst>
               <a:ext uri="{FF2B5EF4-FFF2-40B4-BE49-F238E27FC236}">
-                <a16:creationId xmlns:a16="http://schemas.microsoft.com/office/drawing/2014/main" id="{1662140D-DE9E-0A55-A221-8CE70AE3D00F}"/>
+                <a16:creationId xmlns:a16="http://schemas.microsoft.com/office/drawing/2014/main" id="{52329682-00BB-8CAF-68ED-7F808A443E23}"/>
               </a:ext>
             </a:extLst>
           </p:cNvPr>
@@ -1380,7 +1380,7 @@
           <p:cNvPr id="5" name="日期占位符 4">
             <a:extLst>
               <a:ext uri="{FF2B5EF4-FFF2-40B4-BE49-F238E27FC236}">
-                <a16:creationId xmlns:a16="http://schemas.microsoft.com/office/drawing/2014/main" id="{D04B6DDB-8E86-1248-2E48-E2426358096C}"/>
+                <a16:creationId xmlns:a16="http://schemas.microsoft.com/office/drawing/2014/main" id="{40F3A161-136B-94F1-F89D-9DAAE45FD9A4}"/>
               </a:ext>
             </a:extLst>
           </p:cNvPr>
@@ -1396,7 +1396,7 @@
           <a:bodyPr/>
           <a:lstStyle/>
           <a:p>
-            <a:fld id="{18092254-943A-4A64-8796-EA87ED8831AE}" type="datetimeFigureOut">
+            <a:fld id="{1C233347-25BB-4136-876A-489035F463EB}" type="datetimeFigureOut">
               <a:rPr lang="zh-CN" altLang="en-US" smtClean="0"/>
               <a:t>2024/3/10</a:t>
             </a:fld>
@@ -1409,7 +1409,7 @@
           <p:cNvPr id="6" name="页脚占位符 5">
             <a:extLst>
               <a:ext uri="{FF2B5EF4-FFF2-40B4-BE49-F238E27FC236}">
-                <a16:creationId xmlns:a16="http://schemas.microsoft.com/office/drawing/2014/main" id="{FB42C6D1-A158-CBBF-4D55-6DCFF8EF45C7}"/>
+                <a16:creationId xmlns:a16="http://schemas.microsoft.com/office/drawing/2014/main" id="{832778FF-774E-69B0-7C89-C41CCC1A228D}"/>
               </a:ext>
             </a:extLst>
           </p:cNvPr>
@@ -1434,7 +1434,7 @@
           <p:cNvPr id="7" name="灯片编号占位符 6">
             <a:extLst>
               <a:ext uri="{FF2B5EF4-FFF2-40B4-BE49-F238E27FC236}">
-                <a16:creationId xmlns:a16="http://schemas.microsoft.com/office/drawing/2014/main" id="{FF7FA851-F470-6FEA-7C3E-F2E36E9D15C6}"/>
+                <a16:creationId xmlns:a16="http://schemas.microsoft.com/office/drawing/2014/main" id="{E4012D3D-16C0-20F2-9135-040AC05BB9E4}"/>
               </a:ext>
             </a:extLst>
           </p:cNvPr>
@@ -1450,7 +1450,7 @@
           <a:bodyPr/>
           <a:lstStyle/>
           <a:p>
-            <a:fld id="{CBC45BFF-9F0B-46B4-B760-E7A6C78893CD}" type="slidenum">
+            <a:fld id="{4817608B-5829-4C6E-837F-5677A4F02A85}" type="slidenum">
               <a:rPr lang="zh-CN" altLang="en-US" smtClean="0"/>
               <a:t>‹#›</a:t>
             </a:fld>
@@ -1461,7 +1461,7 @@
     </p:spTree>
     <p:extLst>
       <p:ext uri="{BB962C8B-B14F-4D97-AF65-F5344CB8AC3E}">
-        <p14:creationId xmlns:p14="http://schemas.microsoft.com/office/powerpoint/2010/main" val="2211308652"/>
+        <p14:creationId xmlns:p14="http://schemas.microsoft.com/office/powerpoint/2010/main" val="3059788125"/>
       </p:ext>
     </p:extLst>
   </p:cSld>
@@ -1493,7 +1493,7 @@
           <p:cNvPr id="2" name="标题 1">
             <a:extLst>
               <a:ext uri="{FF2B5EF4-FFF2-40B4-BE49-F238E27FC236}">
-                <a16:creationId xmlns:a16="http://schemas.microsoft.com/office/drawing/2014/main" id="{24DE5F06-20F8-0A15-9135-798DE9563673}"/>
+                <a16:creationId xmlns:a16="http://schemas.microsoft.com/office/drawing/2014/main" id="{DB8DE55A-A899-6C01-8A91-291E279D6B15}"/>
               </a:ext>
             </a:extLst>
           </p:cNvPr>
@@ -1526,7 +1526,7 @@
           <p:cNvPr id="3" name="文本占位符 2">
             <a:extLst>
               <a:ext uri="{FF2B5EF4-FFF2-40B4-BE49-F238E27FC236}">
-                <a16:creationId xmlns:a16="http://schemas.microsoft.com/office/drawing/2014/main" id="{6EBFF6C4-8C6B-3057-E183-8F9DDE3AA877}"/>
+                <a16:creationId xmlns:a16="http://schemas.microsoft.com/office/drawing/2014/main" id="{70E2EE6B-6EA5-75AB-0DAF-7A3B8F44B30E}"/>
               </a:ext>
             </a:extLst>
           </p:cNvPr>
@@ -1597,7 +1597,7 @@
           <p:cNvPr id="4" name="内容占位符 3">
             <a:extLst>
               <a:ext uri="{FF2B5EF4-FFF2-40B4-BE49-F238E27FC236}">
-                <a16:creationId xmlns:a16="http://schemas.microsoft.com/office/drawing/2014/main" id="{51D03338-E3FA-728F-66D6-79C411F2049F}"/>
+                <a16:creationId xmlns:a16="http://schemas.microsoft.com/office/drawing/2014/main" id="{492D0C27-4FF0-377A-788D-81EC87CA6FF5}"/>
               </a:ext>
             </a:extLst>
           </p:cNvPr>
@@ -1659,7 +1659,7 @@
           <p:cNvPr id="5" name="文本占位符 4">
             <a:extLst>
               <a:ext uri="{FF2B5EF4-FFF2-40B4-BE49-F238E27FC236}">
-                <a16:creationId xmlns:a16="http://schemas.microsoft.com/office/drawing/2014/main" id="{D77269D9-75D4-1348-7E6E-9BE1434FD36D}"/>
+                <a16:creationId xmlns:a16="http://schemas.microsoft.com/office/drawing/2014/main" id="{D023812E-9013-1BE6-71D7-44BCA532782B}"/>
               </a:ext>
             </a:extLst>
           </p:cNvPr>
@@ -1730,7 +1730,7 @@
           <p:cNvPr id="6" name="内容占位符 5">
             <a:extLst>
               <a:ext uri="{FF2B5EF4-FFF2-40B4-BE49-F238E27FC236}">
-                <a16:creationId xmlns:a16="http://schemas.microsoft.com/office/drawing/2014/main" id="{75673A04-8163-2B2E-809C-B525FC396F90}"/>
+                <a16:creationId xmlns:a16="http://schemas.microsoft.com/office/drawing/2014/main" id="{8211CCF6-AC3F-897A-D22C-4163F34FB7BD}"/>
               </a:ext>
             </a:extLst>
           </p:cNvPr>
@@ -1792,7 +1792,7 @@
           <p:cNvPr id="7" name="日期占位符 6">
             <a:extLst>
               <a:ext uri="{FF2B5EF4-FFF2-40B4-BE49-F238E27FC236}">
-                <a16:creationId xmlns:a16="http://schemas.microsoft.com/office/drawing/2014/main" id="{7825C2EF-8F87-1B7F-34A9-2EB7AC5F1E7D}"/>
+                <a16:creationId xmlns:a16="http://schemas.microsoft.com/office/drawing/2014/main" id="{C03CC10E-E5EE-0A01-0567-E8BA28108FE1}"/>
               </a:ext>
             </a:extLst>
           </p:cNvPr>
@@ -1808,7 +1808,7 @@
           <a:bodyPr/>
           <a:lstStyle/>
           <a:p>
-            <a:fld id="{18092254-943A-4A64-8796-EA87ED8831AE}" type="datetimeFigureOut">
+            <a:fld id="{1C233347-25BB-4136-876A-489035F463EB}" type="datetimeFigureOut">
               <a:rPr lang="zh-CN" altLang="en-US" smtClean="0"/>
               <a:t>2024/3/10</a:t>
             </a:fld>
@@ -1821,7 +1821,7 @@
           <p:cNvPr id="8" name="页脚占位符 7">
             <a:extLst>
               <a:ext uri="{FF2B5EF4-FFF2-40B4-BE49-F238E27FC236}">
-                <a16:creationId xmlns:a16="http://schemas.microsoft.com/office/drawing/2014/main" id="{7B1CCCC6-FB2E-6384-0884-99F9BF3139D2}"/>
+                <a16:creationId xmlns:a16="http://schemas.microsoft.com/office/drawing/2014/main" id="{35A4ECE5-8FE3-E181-F9E5-95CB4A48F79A}"/>
               </a:ext>
             </a:extLst>
           </p:cNvPr>
@@ -1846,7 +1846,7 @@
           <p:cNvPr id="9" name="灯片编号占位符 8">
             <a:extLst>
               <a:ext uri="{FF2B5EF4-FFF2-40B4-BE49-F238E27FC236}">
-                <a16:creationId xmlns:a16="http://schemas.microsoft.com/office/drawing/2014/main" id="{54F10725-62B9-14DE-D170-ACB451FAFA9D}"/>
+                <a16:creationId xmlns:a16="http://schemas.microsoft.com/office/drawing/2014/main" id="{3B1C2DBD-4086-1D63-64F4-330A01558128}"/>
               </a:ext>
             </a:extLst>
           </p:cNvPr>
@@ -1862,7 +1862,7 @@
           <a:bodyPr/>
           <a:lstStyle/>
           <a:p>
-            <a:fld id="{CBC45BFF-9F0B-46B4-B760-E7A6C78893CD}" type="slidenum">
+            <a:fld id="{4817608B-5829-4C6E-837F-5677A4F02A85}" type="slidenum">
               <a:rPr lang="zh-CN" altLang="en-US" smtClean="0"/>
               <a:t>‹#›</a:t>
             </a:fld>
@@ -1873,7 +1873,7 @@
     </p:spTree>
     <p:extLst>
       <p:ext uri="{BB962C8B-B14F-4D97-AF65-F5344CB8AC3E}">
-        <p14:creationId xmlns:p14="http://schemas.microsoft.com/office/powerpoint/2010/main" val="1375534728"/>
+        <p14:creationId xmlns:p14="http://schemas.microsoft.com/office/powerpoint/2010/main" val="1054627743"/>
       </p:ext>
     </p:extLst>
   </p:cSld>
@@ -1905,7 +1905,7 @@
           <p:cNvPr id="2" name="标题 1">
             <a:extLst>
               <a:ext uri="{FF2B5EF4-FFF2-40B4-BE49-F238E27FC236}">
-                <a16:creationId xmlns:a16="http://schemas.microsoft.com/office/drawing/2014/main" id="{7D68E77F-8497-4A0D-D73D-1688F00104FE}"/>
+                <a16:creationId xmlns:a16="http://schemas.microsoft.com/office/drawing/2014/main" id="{81C6080A-F86C-8FDE-6571-3C99C4803B29}"/>
               </a:ext>
             </a:extLst>
           </p:cNvPr>
@@ -1933,7 +1933,7 @@
           <p:cNvPr id="3" name="日期占位符 2">
             <a:extLst>
               <a:ext uri="{FF2B5EF4-FFF2-40B4-BE49-F238E27FC236}">
-                <a16:creationId xmlns:a16="http://schemas.microsoft.com/office/drawing/2014/main" id="{EDC5A728-2488-4126-C56D-0903D694F282}"/>
+                <a16:creationId xmlns:a16="http://schemas.microsoft.com/office/drawing/2014/main" id="{0BF1602E-C1A0-1323-B328-B63BDC909F19}"/>
               </a:ext>
             </a:extLst>
           </p:cNvPr>
@@ -1949,7 +1949,7 @@
           <a:bodyPr/>
           <a:lstStyle/>
           <a:p>
-            <a:fld id="{18092254-943A-4A64-8796-EA87ED8831AE}" type="datetimeFigureOut">
+            <a:fld id="{1C233347-25BB-4136-876A-489035F463EB}" type="datetimeFigureOut">
               <a:rPr lang="zh-CN" altLang="en-US" smtClean="0"/>
               <a:t>2024/3/10</a:t>
             </a:fld>
@@ -1962,7 +1962,7 @@
           <p:cNvPr id="4" name="页脚占位符 3">
             <a:extLst>
               <a:ext uri="{FF2B5EF4-FFF2-40B4-BE49-F238E27FC236}">
-                <a16:creationId xmlns:a16="http://schemas.microsoft.com/office/drawing/2014/main" id="{1F100F8A-8EB2-9CE8-1ADB-DC980F89F799}"/>
+                <a16:creationId xmlns:a16="http://schemas.microsoft.com/office/drawing/2014/main" id="{54DD487D-0C42-9086-EF96-076F3721D968}"/>
               </a:ext>
             </a:extLst>
           </p:cNvPr>
@@ -1987,7 +1987,7 @@
           <p:cNvPr id="5" name="灯片编号占位符 4">
             <a:extLst>
               <a:ext uri="{FF2B5EF4-FFF2-40B4-BE49-F238E27FC236}">
-                <a16:creationId xmlns:a16="http://schemas.microsoft.com/office/drawing/2014/main" id="{41D33922-8408-AB00-B8BF-BB1006BCF17B}"/>
+                <a16:creationId xmlns:a16="http://schemas.microsoft.com/office/drawing/2014/main" id="{5E571BF3-E194-942F-50AA-8CF001765B65}"/>
               </a:ext>
             </a:extLst>
           </p:cNvPr>
@@ -2003,7 +2003,7 @@
           <a:bodyPr/>
           <a:lstStyle/>
           <a:p>
-            <a:fld id="{CBC45BFF-9F0B-46B4-B760-E7A6C78893CD}" type="slidenum">
+            <a:fld id="{4817608B-5829-4C6E-837F-5677A4F02A85}" type="slidenum">
               <a:rPr lang="zh-CN" altLang="en-US" smtClean="0"/>
               <a:t>‹#›</a:t>
             </a:fld>
@@ -2014,7 +2014,7 @@
     </p:spTree>
     <p:extLst>
       <p:ext uri="{BB962C8B-B14F-4D97-AF65-F5344CB8AC3E}">
-        <p14:creationId xmlns:p14="http://schemas.microsoft.com/office/powerpoint/2010/main" val="1335284826"/>
+        <p14:creationId xmlns:p14="http://schemas.microsoft.com/office/powerpoint/2010/main" val="2977424128"/>
       </p:ext>
     </p:extLst>
   </p:cSld>
@@ -2046,7 +2046,7 @@
           <p:cNvPr id="2" name="日期占位符 1">
             <a:extLst>
               <a:ext uri="{FF2B5EF4-FFF2-40B4-BE49-F238E27FC236}">
-                <a16:creationId xmlns:a16="http://schemas.microsoft.com/office/drawing/2014/main" id="{3AD4AD80-2822-8B70-CEEF-A97A590608E7}"/>
+                <a16:creationId xmlns:a16="http://schemas.microsoft.com/office/drawing/2014/main" id="{E0C1A9D5-8B71-C261-4544-295282608DE7}"/>
               </a:ext>
             </a:extLst>
           </p:cNvPr>
@@ -2062,7 +2062,7 @@
           <a:bodyPr/>
           <a:lstStyle/>
           <a:p>
-            <a:fld id="{18092254-943A-4A64-8796-EA87ED8831AE}" type="datetimeFigureOut">
+            <a:fld id="{1C233347-25BB-4136-876A-489035F463EB}" type="datetimeFigureOut">
               <a:rPr lang="zh-CN" altLang="en-US" smtClean="0"/>
               <a:t>2024/3/10</a:t>
             </a:fld>
@@ -2075,7 +2075,7 @@
           <p:cNvPr id="3" name="页脚占位符 2">
             <a:extLst>
               <a:ext uri="{FF2B5EF4-FFF2-40B4-BE49-F238E27FC236}">
-                <a16:creationId xmlns:a16="http://schemas.microsoft.com/office/drawing/2014/main" id="{BDF5D201-3513-A5C1-420E-1F7779B40B62}"/>
+                <a16:creationId xmlns:a16="http://schemas.microsoft.com/office/drawing/2014/main" id="{3FF6B79E-485F-68A5-75DF-26D3823802F8}"/>
               </a:ext>
             </a:extLst>
           </p:cNvPr>
@@ -2100,7 +2100,7 @@
           <p:cNvPr id="4" name="灯片编号占位符 3">
             <a:extLst>
               <a:ext uri="{FF2B5EF4-FFF2-40B4-BE49-F238E27FC236}">
-                <a16:creationId xmlns:a16="http://schemas.microsoft.com/office/drawing/2014/main" id="{F99DD7E1-E3DC-1E73-4AA4-9F8B251832AA}"/>
+                <a16:creationId xmlns:a16="http://schemas.microsoft.com/office/drawing/2014/main" id="{1C56623A-34FA-B38D-C88F-9B90AB65D57D}"/>
               </a:ext>
             </a:extLst>
           </p:cNvPr>
@@ -2116,7 +2116,7 @@
           <a:bodyPr/>
           <a:lstStyle/>
           <a:p>
-            <a:fld id="{CBC45BFF-9F0B-46B4-B760-E7A6C78893CD}" type="slidenum">
+            <a:fld id="{4817608B-5829-4C6E-837F-5677A4F02A85}" type="slidenum">
               <a:rPr lang="zh-CN" altLang="en-US" smtClean="0"/>
               <a:t>‹#›</a:t>
             </a:fld>
@@ -2127,7 +2127,7 @@
     </p:spTree>
     <p:extLst>
       <p:ext uri="{BB962C8B-B14F-4D97-AF65-F5344CB8AC3E}">
-        <p14:creationId xmlns:p14="http://schemas.microsoft.com/office/powerpoint/2010/main" val="2055174383"/>
+        <p14:creationId xmlns:p14="http://schemas.microsoft.com/office/powerpoint/2010/main" val="1191989645"/>
       </p:ext>
     </p:extLst>
   </p:cSld>
@@ -2159,7 +2159,7 @@
           <p:cNvPr id="2" name="标题 1">
             <a:extLst>
               <a:ext uri="{FF2B5EF4-FFF2-40B4-BE49-F238E27FC236}">
-                <a16:creationId xmlns:a16="http://schemas.microsoft.com/office/drawing/2014/main" id="{28F93A9B-533F-5995-F3DC-83743434CE3D}"/>
+                <a16:creationId xmlns:a16="http://schemas.microsoft.com/office/drawing/2014/main" id="{58609C61-4468-FF90-7718-2C4C533084D6}"/>
               </a:ext>
             </a:extLst>
           </p:cNvPr>
@@ -2196,7 +2196,7 @@
           <p:cNvPr id="3" name="内容占位符 2">
             <a:extLst>
               <a:ext uri="{FF2B5EF4-FFF2-40B4-BE49-F238E27FC236}">
-                <a16:creationId xmlns:a16="http://schemas.microsoft.com/office/drawing/2014/main" id="{51E0EF6D-BC49-A78D-D958-15D7EFE6FB4D}"/>
+                <a16:creationId xmlns:a16="http://schemas.microsoft.com/office/drawing/2014/main" id="{54B4083C-E90D-3829-B628-935E7374CB4D}"/>
               </a:ext>
             </a:extLst>
           </p:cNvPr>
@@ -2286,7 +2286,7 @@
           <p:cNvPr id="4" name="文本占位符 3">
             <a:extLst>
               <a:ext uri="{FF2B5EF4-FFF2-40B4-BE49-F238E27FC236}">
-                <a16:creationId xmlns:a16="http://schemas.microsoft.com/office/drawing/2014/main" id="{A67EBD7D-F425-DEA4-520A-132D94C527D5}"/>
+                <a16:creationId xmlns:a16="http://schemas.microsoft.com/office/drawing/2014/main" id="{9CCA872B-CA5B-8E1F-8BBC-001DE0811713}"/>
               </a:ext>
             </a:extLst>
           </p:cNvPr>
@@ -2357,7 +2357,7 @@
           <p:cNvPr id="5" name="日期占位符 4">
             <a:extLst>
               <a:ext uri="{FF2B5EF4-FFF2-40B4-BE49-F238E27FC236}">
-                <a16:creationId xmlns:a16="http://schemas.microsoft.com/office/drawing/2014/main" id="{02F8AC24-5880-A5F2-41A3-3AF06421AF0B}"/>
+                <a16:creationId xmlns:a16="http://schemas.microsoft.com/office/drawing/2014/main" id="{C3458258-933E-A9B0-965F-F681E46EEC06}"/>
               </a:ext>
             </a:extLst>
           </p:cNvPr>
@@ -2373,7 +2373,7 @@
           <a:bodyPr/>
           <a:lstStyle/>
           <a:p>
-            <a:fld id="{18092254-943A-4A64-8796-EA87ED8831AE}" type="datetimeFigureOut">
+            <a:fld id="{1C233347-25BB-4136-876A-489035F463EB}" type="datetimeFigureOut">
               <a:rPr lang="zh-CN" altLang="en-US" smtClean="0"/>
               <a:t>2024/3/10</a:t>
             </a:fld>
@@ -2386,7 +2386,7 @@
           <p:cNvPr id="6" name="页脚占位符 5">
             <a:extLst>
               <a:ext uri="{FF2B5EF4-FFF2-40B4-BE49-F238E27FC236}">
-                <a16:creationId xmlns:a16="http://schemas.microsoft.com/office/drawing/2014/main" id="{D849A96F-5E4A-40D2-E122-1FCEEC0BAAB5}"/>
+                <a16:creationId xmlns:a16="http://schemas.microsoft.com/office/drawing/2014/main" id="{8DFFDA97-8295-47E0-2208-6C40F226B437}"/>
               </a:ext>
             </a:extLst>
           </p:cNvPr>
@@ -2411,7 +2411,7 @@
           <p:cNvPr id="7" name="灯片编号占位符 6">
             <a:extLst>
               <a:ext uri="{FF2B5EF4-FFF2-40B4-BE49-F238E27FC236}">
-                <a16:creationId xmlns:a16="http://schemas.microsoft.com/office/drawing/2014/main" id="{F1D36467-04A0-B074-5D1C-1DF90566B5D6}"/>
+                <a16:creationId xmlns:a16="http://schemas.microsoft.com/office/drawing/2014/main" id="{101F3CAA-6686-176B-2541-FFCFE658AD77}"/>
               </a:ext>
             </a:extLst>
           </p:cNvPr>
@@ -2427,7 +2427,7 @@
           <a:bodyPr/>
           <a:lstStyle/>
           <a:p>
-            <a:fld id="{CBC45BFF-9F0B-46B4-B760-E7A6C78893CD}" type="slidenum">
+            <a:fld id="{4817608B-5829-4C6E-837F-5677A4F02A85}" type="slidenum">
               <a:rPr lang="zh-CN" altLang="en-US" smtClean="0"/>
               <a:t>‹#›</a:t>
             </a:fld>
@@ -2438,7 +2438,7 @@
     </p:spTree>
     <p:extLst>
       <p:ext uri="{BB962C8B-B14F-4D97-AF65-F5344CB8AC3E}">
-        <p14:creationId xmlns:p14="http://schemas.microsoft.com/office/powerpoint/2010/main" val="776092090"/>
+        <p14:creationId xmlns:p14="http://schemas.microsoft.com/office/powerpoint/2010/main" val="2782652421"/>
       </p:ext>
     </p:extLst>
   </p:cSld>
@@ -2470,7 +2470,7 @@
           <p:cNvPr id="2" name="标题 1">
             <a:extLst>
               <a:ext uri="{FF2B5EF4-FFF2-40B4-BE49-F238E27FC236}">
-                <a16:creationId xmlns:a16="http://schemas.microsoft.com/office/drawing/2014/main" id="{FE85F145-BBC2-780F-79E8-1612415B90E9}"/>
+                <a16:creationId xmlns:a16="http://schemas.microsoft.com/office/drawing/2014/main" id="{F8E91BE8-2D0B-6F01-BFA3-5C4AE3CD1794}"/>
               </a:ext>
             </a:extLst>
           </p:cNvPr>
@@ -2507,7 +2507,7 @@
           <p:cNvPr id="3" name="图片占位符 2">
             <a:extLst>
               <a:ext uri="{FF2B5EF4-FFF2-40B4-BE49-F238E27FC236}">
-                <a16:creationId xmlns:a16="http://schemas.microsoft.com/office/drawing/2014/main" id="{13540010-9F68-32B1-E1B6-89E8869B5B48}"/>
+                <a16:creationId xmlns:a16="http://schemas.microsoft.com/office/drawing/2014/main" id="{98E08028-5B49-8B19-2EBD-29C26CF0FF10}"/>
               </a:ext>
             </a:extLst>
           </p:cNvPr>
@@ -2574,7 +2574,7 @@
           <p:cNvPr id="4" name="文本占位符 3">
             <a:extLst>
               <a:ext uri="{FF2B5EF4-FFF2-40B4-BE49-F238E27FC236}">
-                <a16:creationId xmlns:a16="http://schemas.microsoft.com/office/drawing/2014/main" id="{B0426AE5-62E3-2BA8-BF8D-25E872FA83EE}"/>
+                <a16:creationId xmlns:a16="http://schemas.microsoft.com/office/drawing/2014/main" id="{FE6AD623-8414-504A-0E50-8AFA25905DDE}"/>
               </a:ext>
             </a:extLst>
           </p:cNvPr>
@@ -2645,7 +2645,7 @@
           <p:cNvPr id="5" name="日期占位符 4">
             <a:extLst>
               <a:ext uri="{FF2B5EF4-FFF2-40B4-BE49-F238E27FC236}">
-                <a16:creationId xmlns:a16="http://schemas.microsoft.com/office/drawing/2014/main" id="{624921B5-F6D5-5C66-7BD7-7A11E124F5E1}"/>
+                <a16:creationId xmlns:a16="http://schemas.microsoft.com/office/drawing/2014/main" id="{4418A672-6159-2D01-8C5F-EFE31D183214}"/>
               </a:ext>
             </a:extLst>
           </p:cNvPr>
@@ -2661,7 +2661,7 @@
           <a:bodyPr/>
           <a:lstStyle/>
           <a:p>
-            <a:fld id="{18092254-943A-4A64-8796-EA87ED8831AE}" type="datetimeFigureOut">
+            <a:fld id="{1C233347-25BB-4136-876A-489035F463EB}" type="datetimeFigureOut">
               <a:rPr lang="zh-CN" altLang="en-US" smtClean="0"/>
               <a:t>2024/3/10</a:t>
             </a:fld>
@@ -2674,7 +2674,7 @@
           <p:cNvPr id="6" name="页脚占位符 5">
             <a:extLst>
               <a:ext uri="{FF2B5EF4-FFF2-40B4-BE49-F238E27FC236}">
-                <a16:creationId xmlns:a16="http://schemas.microsoft.com/office/drawing/2014/main" id="{45191288-900E-CD85-681A-CC13E5495C1D}"/>
+                <a16:creationId xmlns:a16="http://schemas.microsoft.com/office/drawing/2014/main" id="{11C79450-2E01-AA83-C3F6-E3EAB63CA077}"/>
               </a:ext>
             </a:extLst>
           </p:cNvPr>
@@ -2699,7 +2699,7 @@
           <p:cNvPr id="7" name="灯片编号占位符 6">
             <a:extLst>
               <a:ext uri="{FF2B5EF4-FFF2-40B4-BE49-F238E27FC236}">
-                <a16:creationId xmlns:a16="http://schemas.microsoft.com/office/drawing/2014/main" id="{E67FCE1B-B174-7F1C-4561-E41F058731D8}"/>
+                <a16:creationId xmlns:a16="http://schemas.microsoft.com/office/drawing/2014/main" id="{025C8DD2-DF7A-3F22-81BE-815D06D80F3A}"/>
               </a:ext>
             </a:extLst>
           </p:cNvPr>
@@ -2715,7 +2715,7 @@
           <a:bodyPr/>
           <a:lstStyle/>
           <a:p>
-            <a:fld id="{CBC45BFF-9F0B-46B4-B760-E7A6C78893CD}" type="slidenum">
+            <a:fld id="{4817608B-5829-4C6E-837F-5677A4F02A85}" type="slidenum">
               <a:rPr lang="zh-CN" altLang="en-US" smtClean="0"/>
               <a:t>‹#›</a:t>
             </a:fld>
@@ -2726,7 +2726,7 @@
     </p:spTree>
     <p:extLst>
       <p:ext uri="{BB962C8B-B14F-4D97-AF65-F5344CB8AC3E}">
-        <p14:creationId xmlns:p14="http://schemas.microsoft.com/office/powerpoint/2010/main" val="2625373039"/>
+        <p14:creationId xmlns:p14="http://schemas.microsoft.com/office/powerpoint/2010/main" val="522757527"/>
       </p:ext>
     </p:extLst>
   </p:cSld>
@@ -2763,7 +2763,7 @@
           <p:cNvPr id="2" name="标题占位符 1">
             <a:extLst>
               <a:ext uri="{FF2B5EF4-FFF2-40B4-BE49-F238E27FC236}">
-                <a16:creationId xmlns:a16="http://schemas.microsoft.com/office/drawing/2014/main" id="{1D7A6E1D-5A51-AE98-D4B4-E23DE2C10449}"/>
+                <a16:creationId xmlns:a16="http://schemas.microsoft.com/office/drawing/2014/main" id="{5548E376-A1E1-C666-4B12-A9F02F0634F6}"/>
               </a:ext>
             </a:extLst>
           </p:cNvPr>
@@ -2801,7 +2801,7 @@
           <p:cNvPr id="3" name="文本占位符 2">
             <a:extLst>
               <a:ext uri="{FF2B5EF4-FFF2-40B4-BE49-F238E27FC236}">
-                <a16:creationId xmlns:a16="http://schemas.microsoft.com/office/drawing/2014/main" id="{AA407E1E-6A57-4508-5D84-3D7631F1AF5E}"/>
+                <a16:creationId xmlns:a16="http://schemas.microsoft.com/office/drawing/2014/main" id="{473E1190-47C5-CD4B-645E-172F35A55105}"/>
               </a:ext>
             </a:extLst>
           </p:cNvPr>
@@ -2868,7 +2868,7 @@
           <p:cNvPr id="4" name="日期占位符 3">
             <a:extLst>
               <a:ext uri="{FF2B5EF4-FFF2-40B4-BE49-F238E27FC236}">
-                <a16:creationId xmlns:a16="http://schemas.microsoft.com/office/drawing/2014/main" id="{EC2EB60A-D38F-3A9D-C61E-B282FD916CD9}"/>
+                <a16:creationId xmlns:a16="http://schemas.microsoft.com/office/drawing/2014/main" id="{D21B7470-AEF3-4202-2337-46E6B2F369B8}"/>
               </a:ext>
             </a:extLst>
           </p:cNvPr>
@@ -2902,7 +2902,7 @@
             </a:lvl1pPr>
           </a:lstStyle>
           <a:p>
-            <a:fld id="{18092254-943A-4A64-8796-EA87ED8831AE}" type="datetimeFigureOut">
+            <a:fld id="{1C233347-25BB-4136-876A-489035F463EB}" type="datetimeFigureOut">
               <a:rPr lang="zh-CN" altLang="en-US" smtClean="0"/>
               <a:t>2024/3/10</a:t>
             </a:fld>
@@ -2915,7 +2915,7 @@
           <p:cNvPr id="5" name="页脚占位符 4">
             <a:extLst>
               <a:ext uri="{FF2B5EF4-FFF2-40B4-BE49-F238E27FC236}">
-                <a16:creationId xmlns:a16="http://schemas.microsoft.com/office/drawing/2014/main" id="{537F9D9D-809E-74D2-7FE0-FE490EFB5702}"/>
+                <a16:creationId xmlns:a16="http://schemas.microsoft.com/office/drawing/2014/main" id="{43ABB5EC-10ED-4880-0B3C-ED29500F5519}"/>
               </a:ext>
             </a:extLst>
           </p:cNvPr>
@@ -2958,7 +2958,7 @@
           <p:cNvPr id="6" name="灯片编号占位符 5">
             <a:extLst>
               <a:ext uri="{FF2B5EF4-FFF2-40B4-BE49-F238E27FC236}">
-                <a16:creationId xmlns:a16="http://schemas.microsoft.com/office/drawing/2014/main" id="{B20A0AF0-B703-C4AE-867F-191FCC142212}"/>
+                <a16:creationId xmlns:a16="http://schemas.microsoft.com/office/drawing/2014/main" id="{EC5C6664-AB92-4C0E-6AA7-0480D70E6FC6}"/>
               </a:ext>
             </a:extLst>
           </p:cNvPr>
@@ -2992,7 +2992,7 @@
             </a:lvl1pPr>
           </a:lstStyle>
           <a:p>
-            <a:fld id="{CBC45BFF-9F0B-46B4-B760-E7A6C78893CD}" type="slidenum">
+            <a:fld id="{4817608B-5829-4C6E-837F-5677A4F02A85}" type="slidenum">
               <a:rPr lang="zh-CN" altLang="en-US" smtClean="0"/>
               <a:t>‹#›</a:t>
             </a:fld>
@@ -3003,7 +3003,7 @@
     </p:spTree>
     <p:extLst>
       <p:ext uri="{BB962C8B-B14F-4D97-AF65-F5344CB8AC3E}">
-        <p14:creationId xmlns:p14="http://schemas.microsoft.com/office/powerpoint/2010/main" val="2239059193"/>
+        <p14:creationId xmlns:p14="http://schemas.microsoft.com/office/powerpoint/2010/main" val="4043387555"/>
       </p:ext>
     </p:extLst>
   </p:cSld>
@@ -3323,7 +3323,7 @@
       </p:grpSpPr>
       <p:pic>
         <p:nvPicPr>
-          <p:cNvPr id="1598466" name="Picture 2" descr="1560"/>
+          <p:cNvPr id="1599490" name="Picture 2" descr="1561"/>
           <p:cNvPicPr>
             <a:picLocks noChangeAspect="1" noChangeArrowheads="1"/>
           </p:cNvPicPr>
@@ -3344,8 +3344,8 @@
         </p:blipFill>
         <p:spPr bwMode="auto">
           <a:xfrm>
-            <a:off x="1687514" y="1"/>
-            <a:ext cx="8980487" cy="6735763"/>
+            <a:off x="1614488" y="0"/>
+            <a:ext cx="9053512" cy="6789738"/>
           </a:xfrm>
           <a:prstGeom prst="rect">
             <a:avLst/>
